--- a/doc_source/videos/video/situation 2 animation einiger möglicher stösse.pptx
+++ b/doc_source/videos/video/situation 2 animation einiger möglicher stösse.pptx
@@ -261,7 +261,7 @@
           <a:p>
             <a:fld id="{838FEF79-3801-4895-A4C8-FC82AFE535A6}" type="datetimeFigureOut">
               <a:rPr lang="de-CH" smtClean="0"/>
-              <a:t>20.12.2021</a:t>
+              <a:t>21.12.2021</a:t>
             </a:fld>
             <a:endParaRPr lang="de-CH"/>
           </a:p>
@@ -461,7 +461,7 @@
           <a:p>
             <a:fld id="{838FEF79-3801-4895-A4C8-FC82AFE535A6}" type="datetimeFigureOut">
               <a:rPr lang="de-CH" smtClean="0"/>
-              <a:t>20.12.2021</a:t>
+              <a:t>21.12.2021</a:t>
             </a:fld>
             <a:endParaRPr lang="de-CH"/>
           </a:p>
@@ -671,7 +671,7 @@
           <a:p>
             <a:fld id="{838FEF79-3801-4895-A4C8-FC82AFE535A6}" type="datetimeFigureOut">
               <a:rPr lang="de-CH" smtClean="0"/>
-              <a:t>20.12.2021</a:t>
+              <a:t>21.12.2021</a:t>
             </a:fld>
             <a:endParaRPr lang="de-CH"/>
           </a:p>
@@ -871,7 +871,7 @@
           <a:p>
             <a:fld id="{838FEF79-3801-4895-A4C8-FC82AFE535A6}" type="datetimeFigureOut">
               <a:rPr lang="de-CH" smtClean="0"/>
-              <a:t>20.12.2021</a:t>
+              <a:t>21.12.2021</a:t>
             </a:fld>
             <a:endParaRPr lang="de-CH"/>
           </a:p>
@@ -1147,7 +1147,7 @@
           <a:p>
             <a:fld id="{838FEF79-3801-4895-A4C8-FC82AFE535A6}" type="datetimeFigureOut">
               <a:rPr lang="de-CH" smtClean="0"/>
-              <a:t>20.12.2021</a:t>
+              <a:t>21.12.2021</a:t>
             </a:fld>
             <a:endParaRPr lang="de-CH"/>
           </a:p>
@@ -1415,7 +1415,7 @@
           <a:p>
             <a:fld id="{838FEF79-3801-4895-A4C8-FC82AFE535A6}" type="datetimeFigureOut">
               <a:rPr lang="de-CH" smtClean="0"/>
-              <a:t>20.12.2021</a:t>
+              <a:t>21.12.2021</a:t>
             </a:fld>
             <a:endParaRPr lang="de-CH"/>
           </a:p>
@@ -1830,7 +1830,7 @@
           <a:p>
             <a:fld id="{838FEF79-3801-4895-A4C8-FC82AFE535A6}" type="datetimeFigureOut">
               <a:rPr lang="de-CH" smtClean="0"/>
-              <a:t>20.12.2021</a:t>
+              <a:t>21.12.2021</a:t>
             </a:fld>
             <a:endParaRPr lang="de-CH"/>
           </a:p>
@@ -1972,7 +1972,7 @@
           <a:p>
             <a:fld id="{838FEF79-3801-4895-A4C8-FC82AFE535A6}" type="datetimeFigureOut">
               <a:rPr lang="de-CH" smtClean="0"/>
-              <a:t>20.12.2021</a:t>
+              <a:t>21.12.2021</a:t>
             </a:fld>
             <a:endParaRPr lang="de-CH"/>
           </a:p>
@@ -2085,7 +2085,7 @@
           <a:p>
             <a:fld id="{838FEF79-3801-4895-A4C8-FC82AFE535A6}" type="datetimeFigureOut">
               <a:rPr lang="de-CH" smtClean="0"/>
-              <a:t>20.12.2021</a:t>
+              <a:t>21.12.2021</a:t>
             </a:fld>
             <a:endParaRPr lang="de-CH"/>
           </a:p>
@@ -2398,7 +2398,7 @@
           <a:p>
             <a:fld id="{838FEF79-3801-4895-A4C8-FC82AFE535A6}" type="datetimeFigureOut">
               <a:rPr lang="de-CH" smtClean="0"/>
-              <a:t>20.12.2021</a:t>
+              <a:t>21.12.2021</a:t>
             </a:fld>
             <a:endParaRPr lang="de-CH"/>
           </a:p>
@@ -2687,7 +2687,7 @@
           <a:p>
             <a:fld id="{838FEF79-3801-4895-A4C8-FC82AFE535A6}" type="datetimeFigureOut">
               <a:rPr lang="de-CH" smtClean="0"/>
-              <a:t>20.12.2021</a:t>
+              <a:t>21.12.2021</a:t>
             </a:fld>
             <a:endParaRPr lang="de-CH"/>
           </a:p>
@@ -2930,7 +2930,7 @@
           <a:p>
             <a:fld id="{838FEF79-3801-4895-A4C8-FC82AFE535A6}" type="datetimeFigureOut">
               <a:rPr lang="de-CH" smtClean="0"/>
-              <a:t>20.12.2021</a:t>
+              <a:t>21.12.2021</a:t>
             </a:fld>
             <a:endParaRPr lang="de-CH"/>
           </a:p>
@@ -4029,7 +4029,7 @@
                               <p:par>
                                 <p:cTn id="5" presetID="6" presetClass="entr" presetSubtype="16" fill="hold" grpId="0" nodeType="withEffect">
                                   <p:stCondLst>
-                                    <p:cond delay="0"/>
+                                    <p:cond delay="2000"/>
                                   </p:stCondLst>
                                   <p:childTnLst>
                                     <p:set>
@@ -4052,7 +4052,7 @@
                                     </p:set>
                                     <p:animEffect transition="in" filter="circle(in)">
                                       <p:cBhvr>
-                                        <p:cTn id="7" dur="2000"/>
+                                        <p:cTn id="7" dur="750"/>
                                         <p:tgtEl>
                                           <p:spTgt spid="6"/>
                                         </p:tgtEl>
@@ -4067,7 +4067,7 @@
                         <p:par>
                           <p:cTn id="8" fill="hold">
                             <p:stCondLst>
-                              <p:cond delay="2000"/>
+                              <p:cond delay="2750"/>
                             </p:stCondLst>
                             <p:childTnLst>
                               <p:par>
@@ -4096,7 +4096,7 @@
                                     </p:set>
                                     <p:animEffect transition="in" filter="wipe(down)">
                                       <p:cBhvr>
-                                        <p:cTn id="11" dur="500"/>
+                                        <p:cTn id="11" dur="250"/>
                                         <p:tgtEl>
                                           <p:spTgt spid="8"/>
                                         </p:tgtEl>
@@ -4105,24 +4105,15 @@
                                   </p:childTnLst>
                                 </p:cTn>
                               </p:par>
-                            </p:childTnLst>
-                          </p:cTn>
-                        </p:par>
-                        <p:par>
-                          <p:cTn id="12" fill="hold">
-                            <p:stCondLst>
-                              <p:cond delay="2500"/>
-                            </p:stCondLst>
-                            <p:childTnLst>
                               <p:par>
-                                <p:cTn id="13" presetID="22" presetClass="entr" presetSubtype="4" fill="hold" nodeType="afterEffect">
+                                <p:cTn id="12" presetID="22" presetClass="entr" presetSubtype="4" fill="hold" nodeType="withEffect">
                                   <p:stCondLst>
                                     <p:cond delay="0"/>
                                   </p:stCondLst>
                                   <p:childTnLst>
                                     <p:set>
                                       <p:cBhvr>
-                                        <p:cTn id="14" dur="1" fill="hold">
+                                        <p:cTn id="13" dur="1" fill="hold">
                                           <p:stCondLst>
                                             <p:cond delay="0"/>
                                           </p:stCondLst>
@@ -4140,7 +4131,7 @@
                                     </p:set>
                                     <p:animEffect transition="in" filter="wipe(down)">
                                       <p:cBhvr>
-                                        <p:cTn id="15" dur="500"/>
+                                        <p:cTn id="14" dur="250"/>
                                         <p:tgtEl>
                                           <p:spTgt spid="9"/>
                                         </p:tgtEl>
@@ -4153,20 +4144,20 @@
                           </p:cTn>
                         </p:par>
                         <p:par>
-                          <p:cTn id="16" fill="hold">
+                          <p:cTn id="15" fill="hold">
                             <p:stCondLst>
                               <p:cond delay="3000"/>
                             </p:stCondLst>
                             <p:childTnLst>
                               <p:par>
-                                <p:cTn id="17" presetID="6" presetClass="entr" presetSubtype="16" fill="hold" grpId="0" nodeType="afterEffect">
+                                <p:cTn id="16" presetID="6" presetClass="entr" presetSubtype="16" fill="hold" grpId="0" nodeType="afterEffect">
                                   <p:stCondLst>
-                                    <p:cond delay="0"/>
+                                    <p:cond delay="250"/>
                                   </p:stCondLst>
                                   <p:childTnLst>
                                     <p:set>
                                       <p:cBhvr>
-                                        <p:cTn id="18" dur="1" fill="hold">
+                                        <p:cTn id="17" dur="1" fill="hold">
                                           <p:stCondLst>
                                             <p:cond delay="0"/>
                                           </p:stCondLst>
@@ -4184,7 +4175,7 @@
                                     </p:set>
                                     <p:animEffect transition="in" filter="circle(in)">
                                       <p:cBhvr>
-                                        <p:cTn id="19" dur="2000"/>
+                                        <p:cTn id="18" dur="750"/>
                                         <p:tgtEl>
                                           <p:spTgt spid="24"/>
                                         </p:tgtEl>
@@ -4197,20 +4188,20 @@
                           </p:cTn>
                         </p:par>
                         <p:par>
-                          <p:cTn id="20" fill="hold">
+                          <p:cTn id="19" fill="hold">
                             <p:stCondLst>
-                              <p:cond delay="5000"/>
+                              <p:cond delay="4000"/>
                             </p:stCondLst>
                             <p:childTnLst>
                               <p:par>
-                                <p:cTn id="21" presetID="22" presetClass="entr" presetSubtype="4" fill="hold" nodeType="afterEffect">
+                                <p:cTn id="20" presetID="22" presetClass="entr" presetSubtype="4" fill="hold" nodeType="afterEffect">
                                   <p:stCondLst>
                                     <p:cond delay="0"/>
                                   </p:stCondLst>
                                   <p:childTnLst>
                                     <p:set>
                                       <p:cBhvr>
-                                        <p:cTn id="22" dur="1" fill="hold">
+                                        <p:cTn id="21" dur="1" fill="hold">
                                           <p:stCondLst>
                                             <p:cond delay="0"/>
                                           </p:stCondLst>
@@ -4228,7 +4219,7 @@
                                     </p:set>
                                     <p:animEffect transition="in" filter="wipe(down)">
                                       <p:cBhvr>
-                                        <p:cTn id="23" dur="500"/>
+                                        <p:cTn id="22" dur="250"/>
                                         <p:tgtEl>
                                           <p:spTgt spid="25"/>
                                         </p:tgtEl>
@@ -4237,24 +4228,15 @@
                                   </p:childTnLst>
                                 </p:cTn>
                               </p:par>
-                            </p:childTnLst>
-                          </p:cTn>
-                        </p:par>
-                        <p:par>
-                          <p:cTn id="24" fill="hold">
-                            <p:stCondLst>
-                              <p:cond delay="5500"/>
-                            </p:stCondLst>
-                            <p:childTnLst>
                               <p:par>
-                                <p:cTn id="25" presetID="22" presetClass="entr" presetSubtype="4" fill="hold" nodeType="afterEffect">
+                                <p:cTn id="23" presetID="22" presetClass="entr" presetSubtype="4" fill="hold" nodeType="withEffect">
                                   <p:stCondLst>
                                     <p:cond delay="0"/>
                                   </p:stCondLst>
                                   <p:childTnLst>
                                     <p:set>
                                       <p:cBhvr>
-                                        <p:cTn id="26" dur="1" fill="hold">
+                                        <p:cTn id="24" dur="1" fill="hold">
                                           <p:stCondLst>
                                             <p:cond delay="0"/>
                                           </p:stCondLst>
@@ -4272,7 +4254,7 @@
                                     </p:set>
                                     <p:animEffect transition="in" filter="wipe(down)">
                                       <p:cBhvr>
-                                        <p:cTn id="27" dur="500"/>
+                                        <p:cTn id="25" dur="250"/>
                                         <p:tgtEl>
                                           <p:spTgt spid="26"/>
                                         </p:tgtEl>
@@ -4285,20 +4267,20 @@
                           </p:cTn>
                         </p:par>
                         <p:par>
-                          <p:cTn id="28" fill="hold">
+                          <p:cTn id="26" fill="hold">
                             <p:stCondLst>
-                              <p:cond delay="6000"/>
+                              <p:cond delay="4250"/>
                             </p:stCondLst>
                             <p:childTnLst>
                               <p:par>
-                                <p:cTn id="29" presetID="6" presetClass="entr" presetSubtype="16" fill="hold" grpId="0" nodeType="afterEffect">
+                                <p:cTn id="27" presetID="6" presetClass="entr" presetSubtype="16" fill="hold" grpId="0" nodeType="afterEffect">
                                   <p:stCondLst>
-                                    <p:cond delay="0"/>
+                                    <p:cond delay="250"/>
                                   </p:stCondLst>
                                   <p:childTnLst>
                                     <p:set>
                                       <p:cBhvr>
-                                        <p:cTn id="30" dur="1" fill="hold">
+                                        <p:cTn id="28" dur="1" fill="hold">
                                           <p:stCondLst>
                                             <p:cond delay="0"/>
                                           </p:stCondLst>
@@ -4316,7 +4298,7 @@
                                     </p:set>
                                     <p:animEffect transition="in" filter="circle(in)">
                                       <p:cBhvr>
-                                        <p:cTn id="31" dur="2000"/>
+                                        <p:cTn id="29" dur="750"/>
                                         <p:tgtEl>
                                           <p:spTgt spid="12"/>
                                         </p:tgtEl>
@@ -4329,20 +4311,20 @@
                           </p:cTn>
                         </p:par>
                         <p:par>
-                          <p:cTn id="32" fill="hold">
+                          <p:cTn id="30" fill="hold">
                             <p:stCondLst>
-                              <p:cond delay="8000"/>
+                              <p:cond delay="5250"/>
                             </p:stCondLst>
                             <p:childTnLst>
                               <p:par>
-                                <p:cTn id="33" presetID="22" presetClass="entr" presetSubtype="1" fill="hold" nodeType="afterEffect">
+                                <p:cTn id="31" presetID="22" presetClass="entr" presetSubtype="1" fill="hold" nodeType="afterEffect">
                                   <p:stCondLst>
                                     <p:cond delay="0"/>
                                   </p:stCondLst>
                                   <p:childTnLst>
                                     <p:set>
                                       <p:cBhvr>
-                                        <p:cTn id="34" dur="1" fill="hold">
+                                        <p:cTn id="32" dur="1" fill="hold">
                                           <p:stCondLst>
                                             <p:cond delay="0"/>
                                           </p:stCondLst>
@@ -4360,7 +4342,7 @@
                                     </p:set>
                                     <p:animEffect transition="in" filter="wipe(up)">
                                       <p:cBhvr>
-                                        <p:cTn id="35" dur="500"/>
+                                        <p:cTn id="33" dur="250"/>
                                         <p:tgtEl>
                                           <p:spTgt spid="13"/>
                                         </p:tgtEl>
@@ -4369,24 +4351,15 @@
                                   </p:childTnLst>
                                 </p:cTn>
                               </p:par>
-                            </p:childTnLst>
-                          </p:cTn>
-                        </p:par>
-                        <p:par>
-                          <p:cTn id="36" fill="hold">
-                            <p:stCondLst>
-                              <p:cond delay="8500"/>
-                            </p:stCondLst>
-                            <p:childTnLst>
                               <p:par>
-                                <p:cTn id="37" presetID="22" presetClass="entr" presetSubtype="1" fill="hold" nodeType="afterEffect">
+                                <p:cTn id="34" presetID="22" presetClass="entr" presetSubtype="1" fill="hold" nodeType="withEffect">
                                   <p:stCondLst>
                                     <p:cond delay="0"/>
                                   </p:stCondLst>
                                   <p:childTnLst>
                                     <p:set>
                                       <p:cBhvr>
-                                        <p:cTn id="38" dur="1" fill="hold">
+                                        <p:cTn id="35" dur="1" fill="hold">
                                           <p:stCondLst>
                                             <p:cond delay="0"/>
                                           </p:stCondLst>
@@ -4404,7 +4377,7 @@
                                     </p:set>
                                     <p:animEffect transition="in" filter="wipe(up)">
                                       <p:cBhvr>
-                                        <p:cTn id="39" dur="500"/>
+                                        <p:cTn id="36" dur="250"/>
                                         <p:tgtEl>
                                           <p:spTgt spid="14"/>
                                         </p:tgtEl>
@@ -4417,25 +4390,148 @@
                           </p:cTn>
                         </p:par>
                         <p:par>
-                          <p:cTn id="40" fill="hold">
+                          <p:cTn id="37" fill="hold">
                             <p:stCondLst>
-                              <p:cond delay="9000"/>
+                              <p:cond delay="5500"/>
                             </p:stCondLst>
                             <p:childTnLst>
                               <p:par>
-                                <p:cTn id="41" presetID="22" presetClass="entr" presetSubtype="4" fill="hold" grpId="0" nodeType="afterEffect" nodePh="1">
+                                <p:cTn id="38" presetID="6" presetClass="entr" presetSubtype="16" fill="hold" grpId="0" nodeType="afterEffect">
+                                  <p:stCondLst>
+                                    <p:cond delay="250"/>
+                                  </p:stCondLst>
+                                  <p:childTnLst>
+                                    <p:set>
+                                      <p:cBhvr>
+                                        <p:cTn id="39" dur="1" fill="hold">
+                                          <p:stCondLst>
+                                            <p:cond delay="0"/>
+                                          </p:stCondLst>
+                                        </p:cTn>
+                                        <p:tgtEl>
+                                          <p:spTgt spid="16"/>
+                                        </p:tgtEl>
+                                        <p:attrNameLst>
+                                          <p:attrName>style.visibility</p:attrName>
+                                        </p:attrNameLst>
+                                      </p:cBhvr>
+                                      <p:to>
+                                        <p:strVal val="visible"/>
+                                      </p:to>
+                                    </p:set>
+                                    <p:animEffect transition="in" filter="circle(in)">
+                                      <p:cBhvr>
+                                        <p:cTn id="40" dur="750"/>
+                                        <p:tgtEl>
+                                          <p:spTgt spid="16"/>
+                                        </p:tgtEl>
+                                      </p:cBhvr>
+                                    </p:animEffect>
+                                  </p:childTnLst>
+                                </p:cTn>
+                              </p:par>
+                            </p:childTnLst>
+                          </p:cTn>
+                        </p:par>
+                        <p:par>
+                          <p:cTn id="41" fill="hold">
+                            <p:stCondLst>
+                              <p:cond delay="6500"/>
+                            </p:stCondLst>
+                            <p:childTnLst>
+                              <p:par>
+                                <p:cTn id="42" presetID="22" presetClass="entr" presetSubtype="1" fill="hold" nodeType="afterEffect">
+                                  <p:stCondLst>
+                                    <p:cond delay="0"/>
+                                  </p:stCondLst>
+                                  <p:childTnLst>
+                                    <p:set>
+                                      <p:cBhvr>
+                                        <p:cTn id="43" dur="1" fill="hold">
+                                          <p:stCondLst>
+                                            <p:cond delay="0"/>
+                                          </p:stCondLst>
+                                        </p:cTn>
+                                        <p:tgtEl>
+                                          <p:spTgt spid="17"/>
+                                        </p:tgtEl>
+                                        <p:attrNameLst>
+                                          <p:attrName>style.visibility</p:attrName>
+                                        </p:attrNameLst>
+                                      </p:cBhvr>
+                                      <p:to>
+                                        <p:strVal val="visible"/>
+                                      </p:to>
+                                    </p:set>
+                                    <p:animEffect transition="in" filter="wipe(up)">
+                                      <p:cBhvr>
+                                        <p:cTn id="44" dur="250"/>
+                                        <p:tgtEl>
+                                          <p:spTgt spid="17"/>
+                                        </p:tgtEl>
+                                      </p:cBhvr>
+                                    </p:animEffect>
+                                  </p:childTnLst>
+                                </p:cTn>
+                              </p:par>
+                              <p:par>
+                                <p:cTn id="45" presetID="22" presetClass="entr" presetSubtype="1" fill="hold" nodeType="withEffect">
+                                  <p:stCondLst>
+                                    <p:cond delay="0"/>
+                                  </p:stCondLst>
+                                  <p:childTnLst>
+                                    <p:set>
+                                      <p:cBhvr>
+                                        <p:cTn id="46" dur="1" fill="hold">
+                                          <p:stCondLst>
+                                            <p:cond delay="0"/>
+                                          </p:stCondLst>
+                                        </p:cTn>
+                                        <p:tgtEl>
+                                          <p:spTgt spid="18"/>
+                                        </p:tgtEl>
+                                        <p:attrNameLst>
+                                          <p:attrName>style.visibility</p:attrName>
+                                        </p:attrNameLst>
+                                      </p:cBhvr>
+                                      <p:to>
+                                        <p:strVal val="visible"/>
+                                      </p:to>
+                                    </p:set>
+                                    <p:animEffect transition="in" filter="wipe(up)">
+                                      <p:cBhvr>
+                                        <p:cTn id="47" dur="250"/>
+                                        <p:tgtEl>
+                                          <p:spTgt spid="18"/>
+                                        </p:tgtEl>
+                                      </p:cBhvr>
+                                    </p:animEffect>
+                                  </p:childTnLst>
+                                </p:cTn>
+                              </p:par>
+                            </p:childTnLst>
+                          </p:cTn>
+                        </p:par>
+                        <p:par>
+                          <p:cTn id="48" fill="hold">
+                            <p:stCondLst>
+                              <p:cond delay="6750"/>
+                            </p:stCondLst>
+                            <p:childTnLst>
+                              <p:par>
+                                <p:cTn id="49" presetID="22" presetClass="entr" presetSubtype="4" fill="hold" grpId="0" nodeType="afterEffect" nodePh="1">
                                   <p:stCondLst>
                                     <p:cond delay="0"/>
                                   </p:stCondLst>
                                   <p:endCondLst>
                                     <p:cond evt="begin" delay="0">
-                                      <p:tn val="41"/>
+                                      <p:tn val="49"/>
                                     </p:cond>
                                   </p:endCondLst>
                                   <p:childTnLst>
                                     <p:set>
                                       <p:cBhvr>
-                                        <p:cTn id="42" dur="1" fill="hold">
+                                        <p:cTn id="50" dur="1" fill="hold">
                                           <p:stCondLst>
                                             <p:cond delay="0"/>
                                           </p:stCondLst>
@@ -4453,141 +4549,9 @@
                                     </p:set>
                                     <p:animEffect transition="in" filter="wipe(down)">
                                       <p:cBhvr>
-                                        <p:cTn id="43" dur="2500"/>
+                                        <p:cTn id="51" dur="2000"/>
                                         <p:tgtEl>
                                           <p:spTgt spid="2"/>
-                                        </p:tgtEl>
-                                      </p:cBhvr>
-                                    </p:animEffect>
-                                  </p:childTnLst>
-                                </p:cTn>
-                              </p:par>
-                            </p:childTnLst>
-                          </p:cTn>
-                        </p:par>
-                        <p:par>
-                          <p:cTn id="44" fill="hold">
-                            <p:stCondLst>
-                              <p:cond delay="11500"/>
-                            </p:stCondLst>
-                            <p:childTnLst>
-                              <p:par>
-                                <p:cTn id="45" presetID="6" presetClass="entr" presetSubtype="16" fill="hold" grpId="0" nodeType="afterEffect">
-                                  <p:stCondLst>
-                                    <p:cond delay="0"/>
-                                  </p:stCondLst>
-                                  <p:childTnLst>
-                                    <p:set>
-                                      <p:cBhvr>
-                                        <p:cTn id="46" dur="1" fill="hold">
-                                          <p:stCondLst>
-                                            <p:cond delay="0"/>
-                                          </p:stCondLst>
-                                        </p:cTn>
-                                        <p:tgtEl>
-                                          <p:spTgt spid="16"/>
-                                        </p:tgtEl>
-                                        <p:attrNameLst>
-                                          <p:attrName>style.visibility</p:attrName>
-                                        </p:attrNameLst>
-                                      </p:cBhvr>
-                                      <p:to>
-                                        <p:strVal val="visible"/>
-                                      </p:to>
-                                    </p:set>
-                                    <p:animEffect transition="in" filter="circle(in)">
-                                      <p:cBhvr>
-                                        <p:cTn id="47" dur="2000"/>
-                                        <p:tgtEl>
-                                          <p:spTgt spid="16"/>
-                                        </p:tgtEl>
-                                      </p:cBhvr>
-                                    </p:animEffect>
-                                  </p:childTnLst>
-                                </p:cTn>
-                              </p:par>
-                            </p:childTnLst>
-                          </p:cTn>
-                        </p:par>
-                        <p:par>
-                          <p:cTn id="48" fill="hold">
-                            <p:stCondLst>
-                              <p:cond delay="13500"/>
-                            </p:stCondLst>
-                            <p:childTnLst>
-                              <p:par>
-                                <p:cTn id="49" presetID="22" presetClass="entr" presetSubtype="1" fill="hold" nodeType="afterEffect">
-                                  <p:stCondLst>
-                                    <p:cond delay="0"/>
-                                  </p:stCondLst>
-                                  <p:childTnLst>
-                                    <p:set>
-                                      <p:cBhvr>
-                                        <p:cTn id="50" dur="1" fill="hold">
-                                          <p:stCondLst>
-                                            <p:cond delay="0"/>
-                                          </p:stCondLst>
-                                        </p:cTn>
-                                        <p:tgtEl>
-                                          <p:spTgt spid="17"/>
-                                        </p:tgtEl>
-                                        <p:attrNameLst>
-                                          <p:attrName>style.visibility</p:attrName>
-                                        </p:attrNameLst>
-                                      </p:cBhvr>
-                                      <p:to>
-                                        <p:strVal val="visible"/>
-                                      </p:to>
-                                    </p:set>
-                                    <p:animEffect transition="in" filter="wipe(up)">
-                                      <p:cBhvr>
-                                        <p:cTn id="51" dur="500"/>
-                                        <p:tgtEl>
-                                          <p:spTgt spid="17"/>
-                                        </p:tgtEl>
-                                      </p:cBhvr>
-                                    </p:animEffect>
-                                  </p:childTnLst>
-                                </p:cTn>
-                              </p:par>
-                            </p:childTnLst>
-                          </p:cTn>
-                        </p:par>
-                        <p:par>
-                          <p:cTn id="52" fill="hold">
-                            <p:stCondLst>
-                              <p:cond delay="14000"/>
-                            </p:stCondLst>
-                            <p:childTnLst>
-                              <p:par>
-                                <p:cTn id="53" presetID="22" presetClass="entr" presetSubtype="1" fill="hold" nodeType="afterEffect">
-                                  <p:stCondLst>
-                                    <p:cond delay="0"/>
-                                  </p:stCondLst>
-                                  <p:childTnLst>
-                                    <p:set>
-                                      <p:cBhvr>
-                                        <p:cTn id="54" dur="1" fill="hold">
-                                          <p:stCondLst>
-                                            <p:cond delay="0"/>
-                                          </p:stCondLst>
-                                        </p:cTn>
-                                        <p:tgtEl>
-                                          <p:spTgt spid="18"/>
-                                        </p:tgtEl>
-                                        <p:attrNameLst>
-                                          <p:attrName>style.visibility</p:attrName>
-                                        </p:attrNameLst>
-                                      </p:cBhvr>
-                                      <p:to>
-                                        <p:strVal val="visible"/>
-                                      </p:to>
-                                    </p:set>
-                                    <p:animEffect transition="in" filter="wipe(up)">
-                                      <p:cBhvr>
-                                        <p:cTn id="55" dur="500"/>
-                                        <p:tgtEl>
-                                          <p:spTgt spid="18"/>
                                         </p:tgtEl>
                                       </p:cBhvr>
                                     </p:animEffect>
